--- a/Material/Consultas a Servidores.pptx
+++ b/Material/Consultas a Servidores.pptx
@@ -8994,7 +8994,7 @@
             </a:endParaRPr>
           </a:p>
           <a:p>
-            <a:pPr indent="0" lvl="0" marL="0" rtl="0" algn="l">
+            <a:pPr indent="0" lvl="0" marL="914400" rtl="0" algn="l">
               <a:spcBef>
                 <a:spcPts val="1200"/>
               </a:spcBef>
@@ -9004,7 +9004,19 @@
               <a:buNone/>
             </a:pPr>
             <a:r>
-              <a:t/>
+              <a:rPr lang="en" sz="1150">
+                <a:solidFill>
+                  <a:srgbClr val="008000"/>
+                </a:solidFill>
+                <a:highlight>
+                  <a:srgbClr val="FFFFFF"/>
+                </a:highlight>
+                <a:latin typeface="Courier New"/>
+                <a:ea typeface="Courier New"/>
+                <a:cs typeface="Courier New"/>
+                <a:sym typeface="Courier New"/>
+              </a:rPr>
+              <a:t>xhttp.response</a:t>
             </a:r>
             <a:endParaRPr sz="1150">
               <a:solidFill>
